--- a/analysis.pptx
+++ b/analysis.pptx
@@ -6,6 +6,7 @@
   </p:sldMasterIdLst>
   <p:sldIdLst>
     <p:sldId id="256" r:id="rId2"/>
+    <p:sldId id="257" r:id="rId3"/>
   </p:sldIdLst>
   <p:sldSz cx="9144000" cy="6858000" type="screen4x3"/>
   <p:notesSz cx="6858000" cy="9144000"/>
@@ -3182,6 +3183,62 @@
             </a:pPr>
             <a:br/>
             <a:br/>
+          </a:p>
+        </p:txBody>
+      </p:sp>
+    </p:spTree>
+  </p:cSld>
+</p:sld>
+</file>
+
+<file path=ppt/slides/slide2.xml><?xml version="1.0" encoding="utf-8"?>
+<p:sld xmlns:a="http://schemas.openxmlformats.org/drawingml/2006/main" xmlns:r="http://schemas.openxmlformats.org/officeDocument/2006/relationships" xmlns:p="http://schemas.openxmlformats.org/presentationml/2006/main">
+  <p:cSld>
+    <p:spTree>
+      <p:nvGrpSpPr>
+        <p:cNvPr id="1" name=""/>
+        <p:cNvGrpSpPr/>
+        <p:nvPr/>
+      </p:nvGrpSpPr>
+      <p:grpSpPr>
+        <a:xfrm>
+          <a:off x="0" y="0"/>
+          <a:ext cx="0" cy="0"/>
+          <a:chOff x="0" y="0"/>
+          <a:chExt cx="0" cy="0"/>
+        </a:xfrm>
+      </p:grpSpPr>
+      <p:sp>
+        <p:nvSpPr>
+          <p:cNvPr id="3" name="Content Placeholder 2"/>
+          <p:cNvSpPr>
+            <a:spLocks noGrp="1"/>
+          </p:cNvSpPr>
+          <p:nvPr>
+            <p:ph idx="1"/>
+          </p:nvPr>
+        </p:nvSpPr>
+        <p:spPr/>
+        <p:txBody>
+          <a:bodyPr/>
+          <a:lstStyle/>
+          <a:p>
+            <a:pPr lvl="0" indent="0">
+              <a:buNone/>
+            </a:pPr>
+            <a:r>
+              <a:rPr>
+                <a:latin typeface="Courier"/>
+              </a:rPr>
+              <a:t>## [1] 10007   185
+##                  DATE STATUS QLANG DEM_GENDER DEM_AGE
+## 1 2017-09-28 18:13:25      3     1          1      18
+## 2 2017-10-18 18:46:34      3     1          1      18
+## 3 2017-09-29 06:58:50      3     1          1      24
+## 4 2017-10-03 17:58:19      3     1          1      16
+## 5 2017-10-25 21:09:49      3     1          1      21
+## 6 2017-10-17 07:03:58      3     1          1      23</a:t>
+            </a:r>
           </a:p>
         </p:txBody>
       </p:sp>

--- a/analysis.pptx
+++ b/analysis.pptx
@@ -7,6 +7,8 @@
   <p:sldIdLst>
     <p:sldId id="256" r:id="rId2"/>
     <p:sldId id="257" r:id="rId3"/>
+    <p:sldId id="258" r:id="rId4"/>
+    <p:sldId id="259" r:id="rId5"/>
   </p:sldIdLst>
   <p:sldSz cx="9144000" cy="6858000" type="screen4x3"/>
   <p:notesSz cx="6858000" cy="9144000"/>
@@ -3238,6 +3240,113 @@
 ## 4 2017-10-03 17:58:19      3     1          1      16
 ## 5 2017-10-25 21:09:49      3     1          1      21
 ## 6 2017-10-17 07:03:58      3     1          1      23</a:t>
+            </a:r>
+          </a:p>
+        </p:txBody>
+      </p:sp>
+    </p:spTree>
+  </p:cSld>
+</p:sld>
+</file>
+
+<file path=ppt/slides/slide3.xml><?xml version="1.0" encoding="utf-8"?>
+<p:sld xmlns:a="http://schemas.openxmlformats.org/drawingml/2006/main" xmlns:r="http://schemas.openxmlformats.org/officeDocument/2006/relationships" xmlns:p="http://schemas.openxmlformats.org/presentationml/2006/main">
+  <p:cSld>
+    <p:spTree>
+      <p:nvGrpSpPr>
+        <p:cNvPr id="1" name=""/>
+        <p:cNvGrpSpPr/>
+        <p:nvPr/>
+      </p:nvGrpSpPr>
+      <p:grpSpPr>
+        <a:xfrm>
+          <a:off x="0" y="0"/>
+          <a:ext cx="0" cy="0"/>
+          <a:chOff x="0" y="0"/>
+          <a:chExt cx="0" cy="0"/>
+        </a:xfrm>
+      </p:grpSpPr>
+      <p:pic>
+        <p:nvPicPr>
+          <p:cNvPr descr="analysis_files/figure-pptx/visualizations-1.png" id="0" name="Picture 1"/>
+          <p:cNvPicPr>
+            <a:picLocks noGrp="1" noChangeAspect="1"/>
+          </p:cNvPicPr>
+          <p:nvPr/>
+        </p:nvPicPr>
+        <p:blipFill>
+          <a:blip r:embed="rId2"/>
+          <a:stretch>
+            <a:fillRect/>
+          </a:stretch>
+        </p:blipFill>
+        <p:spPr bwMode="auto">
+          <a:xfrm>
+            <a:off x="2311400" y="1600200"/>
+            <a:ext cx="4521200" cy="4521200"/>
+          </a:xfrm>
+          <a:prstGeom prst="rect">
+            <a:avLst/>
+          </a:prstGeom>
+          <a:noFill/>
+          <a:ln w="9525">
+            <a:noFill/>
+            <a:headEnd/>
+            <a:tailEnd/>
+          </a:ln>
+        </p:spPr>
+      </p:pic>
+    </p:spTree>
+  </p:cSld>
+</p:sld>
+</file>
+
+<file path=ppt/slides/slide4.xml><?xml version="1.0" encoding="utf-8"?>
+<p:sld xmlns:a="http://schemas.openxmlformats.org/drawingml/2006/main" xmlns:r="http://schemas.openxmlformats.org/officeDocument/2006/relationships" xmlns:p="http://schemas.openxmlformats.org/presentationml/2006/main">
+  <p:cSld>
+    <p:spTree>
+      <p:nvGrpSpPr>
+        <p:cNvPr id="1" name=""/>
+        <p:cNvGrpSpPr/>
+        <p:nvPr/>
+      </p:nvGrpSpPr>
+      <p:grpSpPr>
+        <a:xfrm>
+          <a:off x="0" y="0"/>
+          <a:ext cx="0" cy="0"/>
+          <a:chOff x="0" y="0"/>
+          <a:chExt cx="0" cy="0"/>
+        </a:xfrm>
+      </p:grpSpPr>
+      <p:sp>
+        <p:nvSpPr>
+          <p:cNvPr id="3" name="Content Placeholder 2"/>
+          <p:cNvSpPr>
+            <a:spLocks noGrp="1"/>
+          </p:cNvSpPr>
+          <p:nvPr>
+            <p:ph idx="1"/>
+          </p:nvPr>
+        </p:nvSpPr>
+        <p:spPr/>
+        <p:txBody>
+          <a:bodyPr/>
+          <a:lstStyle/>
+          <a:p>
+            <a:pPr lvl="0" marL="0" indent="0">
+              <a:buNone/>
+            </a:pPr>
+          </a:p>
+          <a:p>
+            <a:pPr lvl="0" indent="0">
+              <a:buNone/>
+            </a:pPr>
+            <a:r>
+              <a:rPr>
+                <a:latin typeface="Courier"/>
+              </a:rPr>
+              <a:t>##    0    1 
+## 6006 4001</a:t>
             </a:r>
           </a:p>
         </p:txBody>
